--- a/수업 자료/3 - C++ 함수와 기능.pptx
+++ b/수업 자료/3 - C++ 함수와 기능.pptx
@@ -1,6 +1,6 @@
 
 <file path=ppt/presentation.xml><?xml version="1.0" encoding="utf-8"?>
-<p:presentation xmlns:a="http://schemas.openxmlformats.org/drawingml/2006/main" xmlns:r="http://schemas.openxmlformats.org/officeDocument/2006/relationships" xmlns:p="http://schemas.openxmlformats.org/presentationml/2006/main" saveSubsetFonts="1">
+<p:presentation xmlns:a="http://schemas.openxmlformats.org/drawingml/2006/main" xmlns:r="http://schemas.openxmlformats.org/officeDocument/2006/relationships" xmlns:p="http://schemas.openxmlformats.org/presentationml/2006/main" embedTrueTypeFonts="1" saveSubsetFonts="1">
   <p:sldMasterIdLst>
     <p:sldMasterId id="2147483648" r:id="rId1"/>
   </p:sldMasterIdLst>
@@ -34,6 +34,24 @@
   </p:sldIdLst>
   <p:sldSz cx="12192000" cy="6858000"/>
   <p:notesSz cx="6858000" cy="9144000"/>
+  <p:embeddedFontLst>
+    <p:embeddedFont>
+      <p:font typeface="나눔고딕 Light" panose="020D0904000000000000" pitchFamily="50" charset="-127"/>
+      <p:regular r:id="rId28"/>
+    </p:embeddedFont>
+    <p:embeddedFont>
+      <p:font typeface="맑은 고딕" panose="020B0503020000020004" pitchFamily="50" charset="-127"/>
+      <p:regular r:id="rId29"/>
+      <p:bold r:id="rId30"/>
+    </p:embeddedFont>
+    <p:embeddedFont>
+      <p:font typeface="Consolas" panose="020B0609020204030204" pitchFamily="49" charset="0"/>
+      <p:regular r:id="rId31"/>
+      <p:bold r:id="rId32"/>
+      <p:italic r:id="rId33"/>
+      <p:boldItalic r:id="rId34"/>
+    </p:embeddedFont>
+  </p:embeddedFontLst>
   <p:defaultTextStyle>
     <a:defPPr>
       <a:defRPr lang="ko-KR"/>
@@ -284,7 +302,7 @@
           <a:p>
             <a:fld id="{3BAD717E-5B48-41D6-98B3-DB23E84BF0BC}" type="datetimeFigureOut">
               <a:rPr lang="ko-KR" altLang="en-US" smtClean="0"/>
-              <a:t>2021-07-28</a:t>
+              <a:t>2021-08-02</a:t>
             </a:fld>
             <a:endParaRPr lang="ko-KR" altLang="en-US"/>
           </a:p>
@@ -482,7 +500,7 @@
           <a:p>
             <a:fld id="{3BAD717E-5B48-41D6-98B3-DB23E84BF0BC}" type="datetimeFigureOut">
               <a:rPr lang="ko-KR" altLang="en-US" smtClean="0"/>
-              <a:t>2021-07-28</a:t>
+              <a:t>2021-08-02</a:t>
             </a:fld>
             <a:endParaRPr lang="ko-KR" altLang="en-US"/>
           </a:p>
@@ -690,7 +708,7 @@
           <a:p>
             <a:fld id="{3BAD717E-5B48-41D6-98B3-DB23E84BF0BC}" type="datetimeFigureOut">
               <a:rPr lang="ko-KR" altLang="en-US" smtClean="0"/>
-              <a:t>2021-07-28</a:t>
+              <a:t>2021-08-02</a:t>
             </a:fld>
             <a:endParaRPr lang="ko-KR" altLang="en-US"/>
           </a:p>
@@ -888,7 +906,7 @@
           <a:p>
             <a:fld id="{3BAD717E-5B48-41D6-98B3-DB23E84BF0BC}" type="datetimeFigureOut">
               <a:rPr lang="ko-KR" altLang="en-US" smtClean="0"/>
-              <a:t>2021-07-28</a:t>
+              <a:t>2021-08-02</a:t>
             </a:fld>
             <a:endParaRPr lang="ko-KR" altLang="en-US"/>
           </a:p>
@@ -1163,7 +1181,7 @@
           <a:p>
             <a:fld id="{3BAD717E-5B48-41D6-98B3-DB23E84BF0BC}" type="datetimeFigureOut">
               <a:rPr lang="ko-KR" altLang="en-US" smtClean="0"/>
-              <a:t>2021-07-28</a:t>
+              <a:t>2021-08-02</a:t>
             </a:fld>
             <a:endParaRPr lang="ko-KR" altLang="en-US"/>
           </a:p>
@@ -1428,7 +1446,7 @@
           <a:p>
             <a:fld id="{3BAD717E-5B48-41D6-98B3-DB23E84BF0BC}" type="datetimeFigureOut">
               <a:rPr lang="ko-KR" altLang="en-US" smtClean="0"/>
-              <a:t>2021-07-28</a:t>
+              <a:t>2021-08-02</a:t>
             </a:fld>
             <a:endParaRPr lang="ko-KR" altLang="en-US"/>
           </a:p>
@@ -1840,7 +1858,7 @@
           <a:p>
             <a:fld id="{3BAD717E-5B48-41D6-98B3-DB23E84BF0BC}" type="datetimeFigureOut">
               <a:rPr lang="ko-KR" altLang="en-US" smtClean="0"/>
-              <a:t>2021-07-28</a:t>
+              <a:t>2021-08-02</a:t>
             </a:fld>
             <a:endParaRPr lang="ko-KR" altLang="en-US"/>
           </a:p>
@@ -1981,7 +1999,7 @@
           <a:p>
             <a:fld id="{3BAD717E-5B48-41D6-98B3-DB23E84BF0BC}" type="datetimeFigureOut">
               <a:rPr lang="ko-KR" altLang="en-US" smtClean="0"/>
-              <a:t>2021-07-28</a:t>
+              <a:t>2021-08-02</a:t>
             </a:fld>
             <a:endParaRPr lang="ko-KR" altLang="en-US"/>
           </a:p>
@@ -2094,7 +2112,7 @@
           <a:p>
             <a:fld id="{3BAD717E-5B48-41D6-98B3-DB23E84BF0BC}" type="datetimeFigureOut">
               <a:rPr lang="ko-KR" altLang="en-US" smtClean="0"/>
-              <a:t>2021-07-28</a:t>
+              <a:t>2021-08-02</a:t>
             </a:fld>
             <a:endParaRPr lang="ko-KR" altLang="en-US"/>
           </a:p>
@@ -2405,7 +2423,7 @@
           <a:p>
             <a:fld id="{3BAD717E-5B48-41D6-98B3-DB23E84BF0BC}" type="datetimeFigureOut">
               <a:rPr lang="ko-KR" altLang="en-US" smtClean="0"/>
-              <a:t>2021-07-28</a:t>
+              <a:t>2021-08-02</a:t>
             </a:fld>
             <a:endParaRPr lang="ko-KR" altLang="en-US"/>
           </a:p>
@@ -2693,7 +2711,7 @@
           <a:p>
             <a:fld id="{3BAD717E-5B48-41D6-98B3-DB23E84BF0BC}" type="datetimeFigureOut">
               <a:rPr lang="ko-KR" altLang="en-US" smtClean="0"/>
-              <a:t>2021-07-28</a:t>
+              <a:t>2021-08-02</a:t>
             </a:fld>
             <a:endParaRPr lang="ko-KR" altLang="en-US"/>
           </a:p>
@@ -2934,7 +2952,7 @@
           <a:p>
             <a:fld id="{3BAD717E-5B48-41D6-98B3-DB23E84BF0BC}" type="datetimeFigureOut">
               <a:rPr lang="ko-KR" altLang="en-US" smtClean="0"/>
-              <a:t>2021-07-28</a:t>
+              <a:t>2021-08-02</a:t>
             </a:fld>
             <a:endParaRPr lang="ko-KR" altLang="en-US"/>
           </a:p>

--- a/수업 자료/3 - C++ 함수와 기능.pptx
+++ b/수업 자료/3 - C++ 함수와 기능.pptx
@@ -36,20 +36,20 @@
   <p:notesSz cx="6858000" cy="9144000"/>
   <p:embeddedFontLst>
     <p:embeddedFont>
+      <p:font typeface="Consolas" panose="020B0609020204030204" pitchFamily="49" charset="0"/>
+      <p:regular r:id="rId28"/>
+      <p:bold r:id="rId29"/>
+      <p:italic r:id="rId30"/>
+      <p:boldItalic r:id="rId31"/>
+    </p:embeddedFont>
+    <p:embeddedFont>
       <p:font typeface="나눔고딕 Light" panose="020D0904000000000000" pitchFamily="50" charset="-127"/>
-      <p:regular r:id="rId28"/>
+      <p:regular r:id="rId32"/>
     </p:embeddedFont>
     <p:embeddedFont>
       <p:font typeface="맑은 고딕" panose="020B0503020000020004" pitchFamily="50" charset="-127"/>
-      <p:regular r:id="rId29"/>
-      <p:bold r:id="rId30"/>
-    </p:embeddedFont>
-    <p:embeddedFont>
-      <p:font typeface="Consolas" panose="020B0609020204030204" pitchFamily="49" charset="0"/>
-      <p:regular r:id="rId31"/>
-      <p:bold r:id="rId32"/>
-      <p:italic r:id="rId33"/>
-      <p:boldItalic r:id="rId34"/>
+      <p:regular r:id="rId33"/>
+      <p:bold r:id="rId34"/>
     </p:embeddedFont>
   </p:embeddedFontLst>
   <p:defaultTextStyle>
@@ -302,7 +302,7 @@
           <a:p>
             <a:fld id="{3BAD717E-5B48-41D6-98B3-DB23E84BF0BC}" type="datetimeFigureOut">
               <a:rPr lang="ko-KR" altLang="en-US" smtClean="0"/>
-              <a:t>2021-08-02</a:t>
+              <a:t>2021-08-04</a:t>
             </a:fld>
             <a:endParaRPr lang="ko-KR" altLang="en-US"/>
           </a:p>
@@ -500,7 +500,7 @@
           <a:p>
             <a:fld id="{3BAD717E-5B48-41D6-98B3-DB23E84BF0BC}" type="datetimeFigureOut">
               <a:rPr lang="ko-KR" altLang="en-US" smtClean="0"/>
-              <a:t>2021-08-02</a:t>
+              <a:t>2021-08-04</a:t>
             </a:fld>
             <a:endParaRPr lang="ko-KR" altLang="en-US"/>
           </a:p>
@@ -708,7 +708,7 @@
           <a:p>
             <a:fld id="{3BAD717E-5B48-41D6-98B3-DB23E84BF0BC}" type="datetimeFigureOut">
               <a:rPr lang="ko-KR" altLang="en-US" smtClean="0"/>
-              <a:t>2021-08-02</a:t>
+              <a:t>2021-08-04</a:t>
             </a:fld>
             <a:endParaRPr lang="ko-KR" altLang="en-US"/>
           </a:p>
@@ -906,7 +906,7 @@
           <a:p>
             <a:fld id="{3BAD717E-5B48-41D6-98B3-DB23E84BF0BC}" type="datetimeFigureOut">
               <a:rPr lang="ko-KR" altLang="en-US" smtClean="0"/>
-              <a:t>2021-08-02</a:t>
+              <a:t>2021-08-04</a:t>
             </a:fld>
             <a:endParaRPr lang="ko-KR" altLang="en-US"/>
           </a:p>
@@ -1181,7 +1181,7 @@
           <a:p>
             <a:fld id="{3BAD717E-5B48-41D6-98B3-DB23E84BF0BC}" type="datetimeFigureOut">
               <a:rPr lang="ko-KR" altLang="en-US" smtClean="0"/>
-              <a:t>2021-08-02</a:t>
+              <a:t>2021-08-04</a:t>
             </a:fld>
             <a:endParaRPr lang="ko-KR" altLang="en-US"/>
           </a:p>
@@ -1446,7 +1446,7 @@
           <a:p>
             <a:fld id="{3BAD717E-5B48-41D6-98B3-DB23E84BF0BC}" type="datetimeFigureOut">
               <a:rPr lang="ko-KR" altLang="en-US" smtClean="0"/>
-              <a:t>2021-08-02</a:t>
+              <a:t>2021-08-04</a:t>
             </a:fld>
             <a:endParaRPr lang="ko-KR" altLang="en-US"/>
           </a:p>
@@ -1858,7 +1858,7 @@
           <a:p>
             <a:fld id="{3BAD717E-5B48-41D6-98B3-DB23E84BF0BC}" type="datetimeFigureOut">
               <a:rPr lang="ko-KR" altLang="en-US" smtClean="0"/>
-              <a:t>2021-08-02</a:t>
+              <a:t>2021-08-04</a:t>
             </a:fld>
             <a:endParaRPr lang="ko-KR" altLang="en-US"/>
           </a:p>
@@ -1999,7 +1999,7 @@
           <a:p>
             <a:fld id="{3BAD717E-5B48-41D6-98B3-DB23E84BF0BC}" type="datetimeFigureOut">
               <a:rPr lang="ko-KR" altLang="en-US" smtClean="0"/>
-              <a:t>2021-08-02</a:t>
+              <a:t>2021-08-04</a:t>
             </a:fld>
             <a:endParaRPr lang="ko-KR" altLang="en-US"/>
           </a:p>
@@ -2112,7 +2112,7 @@
           <a:p>
             <a:fld id="{3BAD717E-5B48-41D6-98B3-DB23E84BF0BC}" type="datetimeFigureOut">
               <a:rPr lang="ko-KR" altLang="en-US" smtClean="0"/>
-              <a:t>2021-08-02</a:t>
+              <a:t>2021-08-04</a:t>
             </a:fld>
             <a:endParaRPr lang="ko-KR" altLang="en-US"/>
           </a:p>
@@ -2423,7 +2423,7 @@
           <a:p>
             <a:fld id="{3BAD717E-5B48-41D6-98B3-DB23E84BF0BC}" type="datetimeFigureOut">
               <a:rPr lang="ko-KR" altLang="en-US" smtClean="0"/>
-              <a:t>2021-08-02</a:t>
+              <a:t>2021-08-04</a:t>
             </a:fld>
             <a:endParaRPr lang="ko-KR" altLang="en-US"/>
           </a:p>
@@ -2711,7 +2711,7 @@
           <a:p>
             <a:fld id="{3BAD717E-5B48-41D6-98B3-DB23E84BF0BC}" type="datetimeFigureOut">
               <a:rPr lang="ko-KR" altLang="en-US" smtClean="0"/>
-              <a:t>2021-08-02</a:t>
+              <a:t>2021-08-04</a:t>
             </a:fld>
             <a:endParaRPr lang="ko-KR" altLang="en-US"/>
           </a:p>
@@ -2952,7 +2952,7 @@
           <a:p>
             <a:fld id="{3BAD717E-5B48-41D6-98B3-DB23E84BF0BC}" type="datetimeFigureOut">
               <a:rPr lang="ko-KR" altLang="en-US" smtClean="0"/>
-              <a:t>2021-08-02</a:t>
+              <a:t>2021-08-04</a:t>
             </a:fld>
             <a:endParaRPr lang="ko-KR" altLang="en-US"/>
           </a:p>
@@ -12158,9 +12158,9 @@
         <p:grpSpPr>
           <a:xfrm>
             <a:off x="585195" y="602369"/>
-            <a:ext cx="6392818" cy="2033762"/>
+            <a:ext cx="6392818" cy="1725985"/>
             <a:chOff x="585195" y="602369"/>
-            <a:chExt cx="6392818" cy="2033762"/>
+            <a:chExt cx="6392818" cy="1725985"/>
           </a:xfrm>
         </p:grpSpPr>
         <p:grpSp>
@@ -12178,9 +12178,9 @@
           <p:grpSpPr>
             <a:xfrm>
               <a:off x="585195" y="602369"/>
-              <a:ext cx="5989460" cy="2033762"/>
+              <a:ext cx="5989460" cy="1725985"/>
               <a:chOff x="585195" y="602369"/>
-              <a:chExt cx="5989460" cy="2033762"/>
+              <a:chExt cx="5989460" cy="1725985"/>
             </a:xfrm>
           </p:grpSpPr>
           <p:sp>
@@ -12237,7 +12237,7 @@
             <p:spPr>
               <a:xfrm>
                 <a:off x="585195" y="1620468"/>
-                <a:ext cx="5259773" cy="1015663"/>
+                <a:ext cx="5187639" cy="707886"/>
               </a:xfrm>
               <a:prstGeom prst="rect">
                 <a:avLst/>
@@ -12287,22 +12287,6 @@
                     <a:ea typeface="나눔고딕 Light" panose="020D0904000000000000" pitchFamily="50" charset="-127"/>
                   </a:rPr>
                   <a:t>구현</a:t>
-                </a:r>
-                <a:endParaRPr lang="en-US" altLang="ko-KR" sz="2000">
-                  <a:latin typeface="나눔고딕 Light" panose="020D0904000000000000" pitchFamily="50" charset="-127"/>
-                  <a:ea typeface="나눔고딕 Light" panose="020D0904000000000000" pitchFamily="50" charset="-127"/>
-                </a:endParaRPr>
-              </a:p>
-              <a:p>
-                <a:pPr marL="457200" indent="-457200">
-                  <a:buAutoNum type="arabicPeriod"/>
-                </a:pPr>
-                <a:r>
-                  <a:rPr lang="ko-KR" altLang="en-US" sz="2000">
-                    <a:latin typeface="나눔고딕 Light" panose="020D0904000000000000" pitchFamily="50" charset="-127"/>
-                    <a:ea typeface="나눔고딕 Light" panose="020D0904000000000000" pitchFamily="50" charset="-127"/>
-                  </a:rPr>
-                  <a:t>연결 리스트의 깊은 복사 구현</a:t>
                 </a:r>
                 <a:endParaRPr lang="en-US" altLang="ko-KR" sz="2000">
                   <a:latin typeface="나눔고딕 Light" panose="020D0904000000000000" pitchFamily="50" charset="-127"/>
@@ -12415,9 +12399,9 @@
         <p:grpSpPr>
           <a:xfrm>
             <a:off x="585194" y="3429000"/>
-            <a:ext cx="8677375" cy="1725985"/>
+            <a:ext cx="6433492" cy="1725985"/>
             <a:chOff x="585195" y="602369"/>
-            <a:chExt cx="8677375" cy="1725985"/>
+            <a:chExt cx="6433492" cy="1725985"/>
           </a:xfrm>
         </p:grpSpPr>
         <p:grpSp>
@@ -12435,9 +12419,9 @@
           <p:grpSpPr>
             <a:xfrm>
               <a:off x="585195" y="602369"/>
-              <a:ext cx="8677375" cy="1725985"/>
+              <a:ext cx="6433492" cy="1725985"/>
               <a:chOff x="585195" y="602369"/>
-              <a:chExt cx="8677375" cy="1725985"/>
+              <a:chExt cx="6433492" cy="1725985"/>
             </a:xfrm>
           </p:grpSpPr>
           <p:sp>
@@ -12494,7 +12478,7 @@
             <p:spPr>
               <a:xfrm>
                 <a:off x="585195" y="1620468"/>
-                <a:ext cx="8677375" cy="707886"/>
+                <a:ext cx="4487126" cy="707886"/>
               </a:xfrm>
               <a:prstGeom prst="rect">
                 <a:avLst/>
@@ -12545,21 +12529,7 @@
                     <a:latin typeface="나눔고딕 Light" panose="020D0904000000000000" pitchFamily="50" charset="-127"/>
                     <a:ea typeface="나눔고딕 Light" panose="020D0904000000000000" pitchFamily="50" charset="-127"/>
                   </a:rPr>
-                  <a:t>두 연결 리스트를 연결하여 새로운 연결리스트를 만드는 덧셈 연산자</a:t>
-                </a:r>
-                <a:r>
-                  <a:rPr lang="en-US" altLang="ko-KR" sz="2000">
-                    <a:latin typeface="나눔고딕 Light" panose="020D0904000000000000" pitchFamily="50" charset="-127"/>
-                    <a:ea typeface="나눔고딕 Light" panose="020D0904000000000000" pitchFamily="50" charset="-127"/>
-                  </a:rPr>
-                  <a:t>+ </a:t>
-                </a:r>
-                <a:r>
-                  <a:rPr lang="ko-KR" altLang="en-US" sz="2000">
-                    <a:latin typeface="나눔고딕 Light" panose="020D0904000000000000" pitchFamily="50" charset="-127"/>
-                    <a:ea typeface="나눔고딕 Light" panose="020D0904000000000000" pitchFamily="50" charset="-127"/>
-                  </a:rPr>
-                  <a:t>구현</a:t>
+                  <a:t>연결 리스트의 깊은 복사 구현</a:t>
                 </a:r>
                 <a:endParaRPr lang="en-US" altLang="ko-KR" sz="2000">
                   <a:latin typeface="나눔고딕 Light" panose="020D0904000000000000" pitchFamily="50" charset="-127"/>
